--- a/phonebook2.pptx
+++ b/phonebook2.pptx
@@ -2,7 +2,7 @@
 <file path=ppt/presentation.xml><?xml version="1.0" encoding="utf-8"?>
 <p:presentation xmlns:r="http://schemas.openxmlformats.org/officeDocument/2006/relationships" xmlns:c="http://schemas.openxmlformats.org/drawingml/2006/chart" xmlns:a="http://schemas.openxmlformats.org/drawingml/2006/main" xmlns:dgm="http://schemas.openxmlformats.org/drawingml/2006/diagram" xmlns:dsp="http://schemas.microsoft.com/office/drawing/2008/diagram" xmlns:p="http://schemas.openxmlformats.org/presentationml/2006/main">
   <p:sldMasterIdLst>
-    <p:sldMasterId id="2147483723" r:id="rId1"/>
+    <p:sldMasterId id="2147483720" r:id="rId1"/>
   </p:sldMasterIdLst>
   <p:notesMasterIdLst>
     <p:notesMasterId r:id="rId2"/>
@@ -209,7 +209,7 @@
               <a:pPr lvl="0">
                 <a:defRPr/>
               </a:pPr>
-              <a:t>2021-01-07</a:t>
+              <a:t>2021-01-08</a:t>
             </a:fld>
             <a:endParaRPr lang="ko-KR" altLang="en-US"/>
           </a:p>
@@ -563,10 +563,10 @@
               <a:defRPr/>
             </a:pPr>
             <a:r>
-              <a:rPr lang="ko-KR" altLang="en-US"/>
+              <a:rPr lang="en-US" altLang="ko-KR"/>
               <a:t/>
             </a:r>
-            <a:endParaRPr lang="ko-KR" altLang="en-US"/>
+            <a:endParaRPr lang="en-US" altLang="ko-KR"/>
           </a:p>
         </p:txBody>
       </p:sp>
@@ -3954,7 +3954,7 @@
               <a:defRPr/>
             </a:pPr>
             <a:r>
-              <a:rPr lang="ko-KR" altLang="en-US" sz="2900">
+              <a:rPr xmlns:mc="http://schemas.openxmlformats.org/markup-compatibility/2006" xmlns:hp="http://schemas.haansoft.com/office/presentation/8.0" lang="ko-KR" altLang="en-US" sz="2900" mc:Ignorable="hp" hp:hslEmbossed="0">
                 <a:effectLst>
                   <a:outerShdw blurRad="76200" dist="76200" dir="2700000" algn="ctr" rotWithShape="0">
                     <a:srgbClr val="000000">
@@ -3966,7 +3966,7 @@
               <a:t>삭제</a:t>
             </a:r>
             <a:r>
-              <a:rPr lang="en-US" altLang="ko-KR" sz="2900">
+              <a:rPr xmlns:mc="http://schemas.openxmlformats.org/markup-compatibility/2006" xmlns:hp="http://schemas.haansoft.com/office/presentation/8.0" lang="en-US" altLang="ko-KR" sz="2900" mc:Ignorable="hp" hp:hslEmbossed="0">
                 <a:effectLst>
                   <a:outerShdw blurRad="76200" dist="76200" dir="2700000" algn="ctr" rotWithShape="0">
                     <a:srgbClr val="000000">
@@ -3977,7 +3977,7 @@
               </a:rPr>
               <a:t> model1</a:t>
             </a:r>
-            <a:endParaRPr lang="en-US" altLang="ko-KR" sz="2900">
+            <a:endParaRPr xmlns:mc="http://schemas.openxmlformats.org/markup-compatibility/2006" xmlns:hp="http://schemas.haansoft.com/office/presentation/8.0" lang="en-US" altLang="ko-KR" sz="2900" mc:Ignorable="hp" hp:hslEmbossed="0">
               <a:effectLst>
                 <a:outerShdw blurRad="76200" dist="76200" dir="2700000" algn="ctr" rotWithShape="0">
                   <a:srgbClr val="000000">
@@ -4161,7 +4161,7 @@
               </a:rPr>
               <a:t>Request header</a:t>
             </a:r>
-            <a:endParaRPr lang="en-US" altLang="ko-KR" sz="1500">
+            <a:endParaRPr lang="en-US" altLang="ko-KR" sz="1300">
               <a:solidFill>
                 <a:schemeClr val="tx1"/>
               </a:solidFill>
@@ -6614,8 +6614,8 @@
         </p:nvSpPr>
         <p:spPr>
           <a:xfrm>
-            <a:off x="0" y="1046321"/>
-            <a:ext cx="3385705" cy="311900"/>
+            <a:off x="329477" y="664598"/>
+            <a:ext cx="2705102" cy="1601658"/>
           </a:xfrm>
           <a:prstGeom prst="rect">
             <a:avLst/>
@@ -6681,9 +6681,16 @@
                 <a:ea typeface="굴림"/>
                 <a:cs typeface="+mn-cs"/>
               </a:rPr>
-              <a:t>action=delete</a:t>
-            </a:r>
-            <a:endParaRPr lang="ko-KR" altLang="en-US" sz="1000"/>
+              <a:t>action=updateForm&amp;id=?</a:t>
+            </a:r>
+            <a:endParaRPr kumimoji="1" lang="en-US" altLang="ko-KR" sz="1000" b="1" i="0" u="none" strike="noStrike" kern="1200" cap="none" spc="0" normalizeH="0" baseline="0">
+              <a:solidFill>
+                <a:srgbClr val="00b050"/>
+              </a:solidFill>
+              <a:latin typeface="맑은 고딕"/>
+              <a:ea typeface="굴림"/>
+              <a:cs typeface="+mn-cs"/>
+            </a:endParaRPr>
           </a:p>
         </p:txBody>
       </p:sp>
@@ -6810,7 +6817,7 @@
                 <a:latin typeface="바탕"/>
                 <a:ea typeface="바탕"/>
               </a:rPr>
-              <a:t>:action=delete</a:t>
+              <a:t>:action=delete&amp;id=?</a:t>
             </a:r>
             <a:endParaRPr lang="en-US" altLang="ko-KR" sz="900">
               <a:solidFill>
@@ -7649,7 +7656,7 @@
             </a:pPr>
             <a:r>
               <a:rPr lang="en-US" altLang="ko-KR">
-                <a:ln>
+                <a:ln w="9525">
                   <a:solidFill>
                     <a:schemeClr val="dk1"/>
                   </a:solidFill>
@@ -7658,7 +7665,7 @@
               <a:t>updateForm.jsp</a:t>
             </a:r>
             <a:endParaRPr lang="en-US" altLang="ko-KR">
-              <a:ln>
+              <a:ln w="9525">
                 <a:solidFill>
                   <a:schemeClr val="dk1"/>
                 </a:solidFill>
@@ -7918,7 +7925,7 @@
         <p:spPr>
           <a:xfrm>
             <a:off x="5855279" y="1337569"/>
-            <a:ext cx="1974273" cy="564009"/>
+            <a:ext cx="1974273" cy="564010"/>
           </a:xfrm>
           <a:prstGeom prst="bentConnector2">
             <a:avLst/>
